--- a/P1-anonymization.pptx
+++ b/P1-anonymization.pptx
@@ -35,15 +35,6 @@
   </p:sldIdLst>
   <p:sldSz cx="12192000" cy="6858000"/>
   <p:notesSz cx="6858000" cy="9144000"/>
-  <p:embeddedFontLst>
-    <p:embeddedFont>
-      <p:font typeface="Calibri" panose="020F0502020204030204" pitchFamily="34" charset="0"/>
-      <p:regular r:id="rId27"/>
-      <p:bold r:id="rId28"/>
-      <p:italic r:id="rId29"/>
-      <p:boldItalic r:id="rId30"/>
-    </p:embeddedFont>
-  </p:embeddedFontLst>
   <p:defaultTextStyle>
     <a:defPPr marR="0" lvl="0" algn="l" rtl="0">
       <a:lnSpc>
@@ -12452,7 +12443,7 @@
             </a:r>
             <a:r>
               <a:rPr lang="es-ES" sz="2400" dirty="0"/>
-              <a:t>: 4 of 6 </a:t>
+              <a:t>: 3 of 6 </a:t>
             </a:r>
             <a:r>
               <a:rPr lang="es-ES" sz="2400" dirty="0" err="1"/>
@@ -12554,7 +12545,7 @@
             </a:r>
             <a:r>
               <a:rPr lang="es-ES" sz="2400" dirty="0"/>
-              <a:t> Module 1 (40% - Individual): 10/02/2023 at 23:59</a:t>
+              <a:t> Module 1 (40% - Individual): 12/02/2024 at 23:59</a:t>
             </a:r>
           </a:p>
           <a:p>
@@ -12571,7 +12562,7 @@
             </a:r>
             <a:r>
               <a:rPr lang="es-ES" sz="2400" dirty="0"/>
-              <a:t> Module 2 (20% - Individual): 22/02/2023 at 23:59</a:t>
+              <a:t> Module 2 (20% - Individual): 26/02/2024 at 23:59</a:t>
             </a:r>
           </a:p>
           <a:p>
@@ -12595,8 +12586,12 @@
               <a:t>pairs</a:t>
             </a:r>
             <a:r>
+              <a:rPr lang="es-ES" sz="2400"/>
+              <a:t>): 22/03/2024 </a:t>
+            </a:r>
+            <a:r>
               <a:rPr lang="es-ES" sz="2400" dirty="0"/>
-              <a:t>): 17/03/2023 at 23:59</a:t>
+              <a:t>at 23:59</a:t>
             </a:r>
           </a:p>
         </p:txBody>
